--- a/계획/계획.pptx
+++ b/계획/계획.pptx
@@ -104,6 +104,11 @@
       </a:defRPr>
     </a:lvl9pPr>
   </p:defaultTextStyle>
+  <p:extLst>
+    <p:ext uri="{EFAFB233-063F-42B5-8137-9DF3F51BA10A}">
+      <p15:sldGuideLst xmlns:p15="http://schemas.microsoft.com/office/powerpoint/2012/main"/>
+    </p:ext>
+  </p:extLst>
 </p:presentation>
 </file>
 
@@ -238,7 +243,7 @@
           <a:p>
             <a:fld id="{95D3758D-9E7D-4AD0-936F-D3BE6D62D690}" type="datetimeFigureOut">
               <a:rPr lang="ko-KR" altLang="en-US" smtClean="0"/>
-              <a:t>2022-04-25</a:t>
+              <a:t>2022-05-30</a:t>
             </a:fld>
             <a:endParaRPr lang="ko-KR" altLang="en-US"/>
           </a:p>
@@ -408,7 +413,7 @@
           <a:p>
             <a:fld id="{95D3758D-9E7D-4AD0-936F-D3BE6D62D690}" type="datetimeFigureOut">
               <a:rPr lang="ko-KR" altLang="en-US" smtClean="0"/>
-              <a:t>2022-04-25</a:t>
+              <a:t>2022-05-30</a:t>
             </a:fld>
             <a:endParaRPr lang="ko-KR" altLang="en-US"/>
           </a:p>
@@ -588,7 +593,7 @@
           <a:p>
             <a:fld id="{95D3758D-9E7D-4AD0-936F-D3BE6D62D690}" type="datetimeFigureOut">
               <a:rPr lang="ko-KR" altLang="en-US" smtClean="0"/>
-              <a:t>2022-04-25</a:t>
+              <a:t>2022-05-30</a:t>
             </a:fld>
             <a:endParaRPr lang="ko-KR" altLang="en-US"/>
           </a:p>
@@ -758,7 +763,7 @@
           <a:p>
             <a:fld id="{95D3758D-9E7D-4AD0-936F-D3BE6D62D690}" type="datetimeFigureOut">
               <a:rPr lang="ko-KR" altLang="en-US" smtClean="0"/>
-              <a:t>2022-04-25</a:t>
+              <a:t>2022-05-30</a:t>
             </a:fld>
             <a:endParaRPr lang="ko-KR" altLang="en-US"/>
           </a:p>
@@ -1004,7 +1009,7 @@
           <a:p>
             <a:fld id="{95D3758D-9E7D-4AD0-936F-D3BE6D62D690}" type="datetimeFigureOut">
               <a:rPr lang="ko-KR" altLang="en-US" smtClean="0"/>
-              <a:t>2022-04-25</a:t>
+              <a:t>2022-05-30</a:t>
             </a:fld>
             <a:endParaRPr lang="ko-KR" altLang="en-US"/>
           </a:p>
@@ -1236,7 +1241,7 @@
           <a:p>
             <a:fld id="{95D3758D-9E7D-4AD0-936F-D3BE6D62D690}" type="datetimeFigureOut">
               <a:rPr lang="ko-KR" altLang="en-US" smtClean="0"/>
-              <a:t>2022-04-25</a:t>
+              <a:t>2022-05-30</a:t>
             </a:fld>
             <a:endParaRPr lang="ko-KR" altLang="en-US"/>
           </a:p>
@@ -1603,7 +1608,7 @@
           <a:p>
             <a:fld id="{95D3758D-9E7D-4AD0-936F-D3BE6D62D690}" type="datetimeFigureOut">
               <a:rPr lang="ko-KR" altLang="en-US" smtClean="0"/>
-              <a:t>2022-04-25</a:t>
+              <a:t>2022-05-30</a:t>
             </a:fld>
             <a:endParaRPr lang="ko-KR" altLang="en-US"/>
           </a:p>
@@ -1721,7 +1726,7 @@
           <a:p>
             <a:fld id="{95D3758D-9E7D-4AD0-936F-D3BE6D62D690}" type="datetimeFigureOut">
               <a:rPr lang="ko-KR" altLang="en-US" smtClean="0"/>
-              <a:t>2022-04-25</a:t>
+              <a:t>2022-05-30</a:t>
             </a:fld>
             <a:endParaRPr lang="ko-KR" altLang="en-US"/>
           </a:p>
@@ -1816,7 +1821,7 @@
           <a:p>
             <a:fld id="{95D3758D-9E7D-4AD0-936F-D3BE6D62D690}" type="datetimeFigureOut">
               <a:rPr lang="ko-KR" altLang="en-US" smtClean="0"/>
-              <a:t>2022-04-25</a:t>
+              <a:t>2022-05-30</a:t>
             </a:fld>
             <a:endParaRPr lang="ko-KR" altLang="en-US"/>
           </a:p>
@@ -2093,7 +2098,7 @@
           <a:p>
             <a:fld id="{95D3758D-9E7D-4AD0-936F-D3BE6D62D690}" type="datetimeFigureOut">
               <a:rPr lang="ko-KR" altLang="en-US" smtClean="0"/>
-              <a:t>2022-04-25</a:t>
+              <a:t>2022-05-30</a:t>
             </a:fld>
             <a:endParaRPr lang="ko-KR" altLang="en-US"/>
           </a:p>
@@ -2346,7 +2351,7 @@
           <a:p>
             <a:fld id="{95D3758D-9E7D-4AD0-936F-D3BE6D62D690}" type="datetimeFigureOut">
               <a:rPr lang="ko-KR" altLang="en-US" smtClean="0"/>
-              <a:t>2022-04-25</a:t>
+              <a:t>2022-05-30</a:t>
             </a:fld>
             <a:endParaRPr lang="ko-KR" altLang="en-US"/>
           </a:p>
@@ -2559,7 +2564,7 @@
           <a:p>
             <a:fld id="{95D3758D-9E7D-4AD0-936F-D3BE6D62D690}" type="datetimeFigureOut">
               <a:rPr lang="ko-KR" altLang="en-US" smtClean="0"/>
-              <a:t>2022-04-25</a:t>
+              <a:t>2022-05-30</a:t>
             </a:fld>
             <a:endParaRPr lang="ko-KR" altLang="en-US"/>
           </a:p>
@@ -2966,20 +2971,20 @@
       </p:grpSpPr>
       <p:sp>
         <p:nvSpPr>
-          <p:cNvPr id="2" name="직사각형 1"/>
+          <p:cNvPr id="3" name="직사각형 2"/>
           <p:cNvSpPr/>
           <p:nvPr/>
         </p:nvSpPr>
         <p:spPr>
           <a:xfrm>
-            <a:off x="174568" y="174567"/>
-            <a:ext cx="2394065" cy="989215"/>
+            <a:off x="1180839" y="256737"/>
+            <a:ext cx="8994371" cy="532014"/>
           </a:xfrm>
           <a:prstGeom prst="rect">
             <a:avLst/>
           </a:prstGeom>
           <a:solidFill>
-            <a:schemeClr val="bg2"/>
+            <a:schemeClr val="tx1"/>
           </a:solidFill>
         </p:spPr>
         <p:style>
@@ -3002,32 +3007,32 @@
           <a:bodyPr rtlCol="0" anchor="ctr"/>
           <a:lstStyle/>
           <a:p>
-            <a:pPr algn="ctr"/>
-            <a:r>
-              <a:rPr lang="ko-KR" altLang="en-US" smtClean="0"/>
-              <a:t>개인로고</a:t>
-            </a:r>
-            <a:endParaRPr lang="ko-KR" altLang="en-US" dirty="0"/>
-          </a:p>
-        </p:txBody>
-      </p:sp>
-      <p:sp>
-        <p:nvSpPr>
-          <p:cNvPr id="3" name="직사각형 2"/>
+            <a:r>
+              <a:rPr lang="ko-KR" altLang="en-US" b="1" u="sng" dirty="0" err="1" smtClean="0"/>
+              <a:t>싸다싸다</a:t>
+            </a:r>
+            <a:r>
+              <a:rPr lang="ko-KR" altLang="en-US" b="1" u="sng" dirty="0" smtClean="0"/>
+              <a:t> 온라인 쇼핑몰</a:t>
+            </a:r>
+            <a:endParaRPr lang="ko-KR" altLang="en-US" b="1" u="sng" dirty="0"/>
+          </a:p>
+        </p:txBody>
+      </p:sp>
+      <p:sp>
+        <p:nvSpPr>
+          <p:cNvPr id="9" name="직사각형 8"/>
           <p:cNvSpPr/>
           <p:nvPr/>
         </p:nvSpPr>
         <p:spPr>
           <a:xfrm>
-            <a:off x="2768138" y="403167"/>
-            <a:ext cx="8994371" cy="532014"/>
+            <a:off x="2405581" y="852991"/>
+            <a:ext cx="997528" cy="274320"/>
           </a:xfrm>
           <a:prstGeom prst="rect">
             <a:avLst/>
           </a:prstGeom>
-          <a:solidFill>
-            <a:schemeClr val="tx1"/>
-          </a:solidFill>
         </p:spPr>
         <p:style>
           <a:lnRef idx="2">
@@ -3051,37 +3056,27 @@
           <a:p>
             <a:pPr algn="ctr"/>
             <a:r>
-              <a:rPr lang="ko-KR" altLang="en-US" b="1" u="sng" dirty="0" err="1" smtClean="0"/>
-              <a:t>싸다싸다</a:t>
-            </a:r>
-            <a:r>
-              <a:rPr lang="ko-KR" altLang="en-US" b="1" u="sng" dirty="0" smtClean="0"/>
-              <a:t> 온라인 쇼핑몰</a:t>
-            </a:r>
-            <a:endParaRPr lang="ko-KR" altLang="en-US" b="1" u="sng" dirty="0"/>
-          </a:p>
-        </p:txBody>
-      </p:sp>
-      <p:sp>
-        <p:nvSpPr>
-          <p:cNvPr id="4" name="직사각형 3"/>
+              <a:rPr lang="ko-KR" altLang="en-US" sz="1500" dirty="0" smtClean="0"/>
+              <a:t>회원가입</a:t>
+            </a:r>
+            <a:endParaRPr lang="ko-KR" altLang="en-US" sz="1500" dirty="0"/>
+          </a:p>
+        </p:txBody>
+      </p:sp>
+      <p:sp>
+        <p:nvSpPr>
+          <p:cNvPr id="10" name="직사각형 9"/>
           <p:cNvSpPr/>
           <p:nvPr/>
         </p:nvSpPr>
         <p:spPr>
           <a:xfrm>
-            <a:off x="2590799" y="1399310"/>
-            <a:ext cx="1016924" cy="482138"/>
+            <a:off x="7152149" y="852991"/>
+            <a:ext cx="997528" cy="274320"/>
           </a:xfrm>
           <a:prstGeom prst="rect">
             <a:avLst/>
           </a:prstGeom>
-          <a:solidFill>
-            <a:schemeClr val="accent1">
-              <a:lumMod val="40000"/>
-              <a:lumOff val="60000"/>
-            </a:schemeClr>
-          </a:solidFill>
         </p:spPr>
         <p:style>
           <a:lnRef idx="2">
@@ -3105,33 +3100,27 @@
           <a:p>
             <a:pPr algn="ctr"/>
             <a:r>
-              <a:rPr lang="ko-KR" altLang="en-US" dirty="0" smtClean="0"/>
-              <a:t>홈</a:t>
-            </a:r>
-            <a:endParaRPr lang="ko-KR" altLang="en-US" dirty="0"/>
-          </a:p>
-        </p:txBody>
-      </p:sp>
-      <p:sp>
-        <p:nvSpPr>
-          <p:cNvPr id="5" name="직사각형 4"/>
+              <a:rPr lang="ko-KR" altLang="en-US" sz="1500" dirty="0" smtClean="0"/>
+              <a:t>주문내역</a:t>
+            </a:r>
+            <a:endParaRPr lang="ko-KR" altLang="en-US" sz="1500" dirty="0"/>
+          </a:p>
+        </p:txBody>
+      </p:sp>
+      <p:sp>
+        <p:nvSpPr>
+          <p:cNvPr id="11" name="직사각형 10"/>
           <p:cNvSpPr/>
           <p:nvPr/>
         </p:nvSpPr>
         <p:spPr>
           <a:xfrm>
-            <a:off x="4042755" y="1399310"/>
-            <a:ext cx="1016924" cy="482138"/>
+            <a:off x="5449423" y="852991"/>
+            <a:ext cx="997528" cy="274320"/>
           </a:xfrm>
           <a:prstGeom prst="rect">
             <a:avLst/>
           </a:prstGeom>
-          <a:solidFill>
-            <a:schemeClr val="accent1">
-              <a:lumMod val="40000"/>
-              <a:lumOff val="60000"/>
-            </a:schemeClr>
-          </a:solidFill>
         </p:spPr>
         <p:style>
           <a:lnRef idx="2">
@@ -3155,33 +3144,27 @@
           <a:p>
             <a:pPr algn="ctr"/>
             <a:r>
-              <a:rPr lang="en-US" altLang="ko-KR" dirty="0" smtClean="0"/>
-              <a:t>BEST</a:t>
-            </a:r>
-            <a:endParaRPr lang="ko-KR" altLang="en-US" dirty="0"/>
-          </a:p>
-        </p:txBody>
-      </p:sp>
-      <p:sp>
-        <p:nvSpPr>
-          <p:cNvPr id="6" name="직사각형 5"/>
+              <a:rPr lang="ko-KR" altLang="en-US" sz="1500" dirty="0" smtClean="0"/>
+              <a:t>장바구니</a:t>
+            </a:r>
+            <a:endParaRPr lang="ko-KR" altLang="en-US" sz="1500" dirty="0"/>
+          </a:p>
+        </p:txBody>
+      </p:sp>
+      <p:sp>
+        <p:nvSpPr>
+          <p:cNvPr id="12" name="직사각형 11"/>
           <p:cNvSpPr/>
           <p:nvPr/>
         </p:nvSpPr>
         <p:spPr>
           <a:xfrm>
-            <a:off x="5494712" y="1368831"/>
-            <a:ext cx="1016924" cy="482138"/>
+            <a:off x="3857538" y="855762"/>
+            <a:ext cx="997528" cy="274320"/>
           </a:xfrm>
           <a:prstGeom prst="rect">
             <a:avLst/>
           </a:prstGeom>
-          <a:solidFill>
-            <a:schemeClr val="accent1">
-              <a:lumMod val="40000"/>
-              <a:lumOff val="60000"/>
-            </a:schemeClr>
-          </a:solidFill>
         </p:spPr>
         <p:style>
           <a:lnRef idx="2">
@@ -3205,336 +3188,10 @@
           <a:p>
             <a:pPr algn="ctr"/>
             <a:r>
-              <a:rPr lang="ko-KR" altLang="en-US" dirty="0" smtClean="0"/>
-              <a:t>신상품</a:t>
-            </a:r>
-            <a:endParaRPr lang="ko-KR" altLang="en-US" dirty="0"/>
-          </a:p>
-        </p:txBody>
-      </p:sp>
-      <p:sp>
-        <p:nvSpPr>
-          <p:cNvPr id="7" name="직사각형 6"/>
-          <p:cNvSpPr/>
-          <p:nvPr/>
-        </p:nvSpPr>
-        <p:spPr>
-          <a:xfrm>
-            <a:off x="7097681" y="1368831"/>
-            <a:ext cx="1016924" cy="482138"/>
-          </a:xfrm>
-          <a:prstGeom prst="rect">
-            <a:avLst/>
-          </a:prstGeom>
-          <a:solidFill>
-            <a:schemeClr val="accent1">
-              <a:lumMod val="40000"/>
-              <a:lumOff val="60000"/>
-            </a:schemeClr>
-          </a:solidFill>
-        </p:spPr>
-        <p:style>
-          <a:lnRef idx="2">
-            <a:schemeClr val="accent1">
-              <a:shade val="50000"/>
-            </a:schemeClr>
-          </a:lnRef>
-          <a:fillRef idx="1">
-            <a:schemeClr val="accent1"/>
-          </a:fillRef>
-          <a:effectRef idx="0">
-            <a:schemeClr val="accent1"/>
-          </a:effectRef>
-          <a:fontRef idx="minor">
-            <a:schemeClr val="lt1"/>
-          </a:fontRef>
-        </p:style>
-        <p:txBody>
-          <a:bodyPr rtlCol="0" anchor="ctr"/>
-          <a:lstStyle/>
-          <a:p>
-            <a:pPr algn="ctr"/>
-            <a:r>
-              <a:rPr lang="ko-KR" altLang="en-US" dirty="0" smtClean="0"/>
-              <a:t>랭킹</a:t>
-            </a:r>
-            <a:endParaRPr lang="ko-KR" altLang="en-US" dirty="0"/>
-          </a:p>
-        </p:txBody>
-      </p:sp>
-      <p:sp>
-        <p:nvSpPr>
-          <p:cNvPr id="8" name="직사각형 7"/>
-          <p:cNvSpPr/>
-          <p:nvPr/>
-        </p:nvSpPr>
-        <p:spPr>
-          <a:xfrm>
-            <a:off x="8789323" y="1354975"/>
-            <a:ext cx="1016924" cy="482138"/>
-          </a:xfrm>
-          <a:prstGeom prst="rect">
-            <a:avLst/>
-          </a:prstGeom>
-          <a:solidFill>
-            <a:schemeClr val="accent1">
-              <a:lumMod val="40000"/>
-              <a:lumOff val="60000"/>
-            </a:schemeClr>
-          </a:solidFill>
-        </p:spPr>
-        <p:style>
-          <a:lnRef idx="2">
-            <a:schemeClr val="accent1">
-              <a:shade val="50000"/>
-            </a:schemeClr>
-          </a:lnRef>
-          <a:fillRef idx="1">
-            <a:schemeClr val="accent1"/>
-          </a:fillRef>
-          <a:effectRef idx="0">
-            <a:schemeClr val="accent1"/>
-          </a:effectRef>
-          <a:fontRef idx="minor">
-            <a:schemeClr val="lt1"/>
-          </a:fontRef>
-        </p:style>
-        <p:txBody>
-          <a:bodyPr rtlCol="0" anchor="ctr"/>
-          <a:lstStyle/>
-          <a:p>
-            <a:pPr algn="ctr"/>
-            <a:r>
-              <a:rPr lang="ko-KR" altLang="en-US" dirty="0" smtClean="0"/>
-              <a:t>브랜드</a:t>
-            </a:r>
-            <a:endParaRPr lang="ko-KR" altLang="en-US" dirty="0"/>
-          </a:p>
-        </p:txBody>
-      </p:sp>
-      <p:sp>
-        <p:nvSpPr>
-          <p:cNvPr id="9" name="직사각형 8"/>
-          <p:cNvSpPr/>
-          <p:nvPr/>
-        </p:nvSpPr>
-        <p:spPr>
-          <a:xfrm>
-            <a:off x="4042755" y="984365"/>
-            <a:ext cx="997528" cy="274320"/>
-          </a:xfrm>
-          <a:prstGeom prst="rect">
-            <a:avLst/>
-          </a:prstGeom>
-        </p:spPr>
-        <p:style>
-          <a:lnRef idx="2">
-            <a:schemeClr val="accent1">
-              <a:shade val="50000"/>
-            </a:schemeClr>
-          </a:lnRef>
-          <a:fillRef idx="1">
-            <a:schemeClr val="accent1"/>
-          </a:fillRef>
-          <a:effectRef idx="0">
-            <a:schemeClr val="accent1"/>
-          </a:effectRef>
-          <a:fontRef idx="minor">
-            <a:schemeClr val="lt1"/>
-          </a:fontRef>
-        </p:style>
-        <p:txBody>
-          <a:bodyPr rtlCol="0" anchor="ctr"/>
-          <a:lstStyle/>
-          <a:p>
-            <a:pPr algn="ctr"/>
-            <a:r>
-              <a:rPr lang="ko-KR" altLang="en-US" sz="1500" dirty="0" smtClean="0"/>
-              <a:t>회원가입</a:t>
-            </a:r>
-            <a:endParaRPr lang="ko-KR" altLang="en-US" sz="1500" dirty="0"/>
-          </a:p>
-        </p:txBody>
-      </p:sp>
-      <p:sp>
-        <p:nvSpPr>
-          <p:cNvPr id="10" name="직사각형 9"/>
-          <p:cNvSpPr/>
-          <p:nvPr/>
-        </p:nvSpPr>
-        <p:spPr>
-          <a:xfrm>
-            <a:off x="8789323" y="984365"/>
-            <a:ext cx="997528" cy="274320"/>
-          </a:xfrm>
-          <a:prstGeom prst="rect">
-            <a:avLst/>
-          </a:prstGeom>
-        </p:spPr>
-        <p:style>
-          <a:lnRef idx="2">
-            <a:schemeClr val="accent1">
-              <a:shade val="50000"/>
-            </a:schemeClr>
-          </a:lnRef>
-          <a:fillRef idx="1">
-            <a:schemeClr val="accent1"/>
-          </a:fillRef>
-          <a:effectRef idx="0">
-            <a:schemeClr val="accent1"/>
-          </a:effectRef>
-          <a:fontRef idx="minor">
-            <a:schemeClr val="lt1"/>
-          </a:fontRef>
-        </p:style>
-        <p:txBody>
-          <a:bodyPr rtlCol="0" anchor="ctr"/>
-          <a:lstStyle/>
-          <a:p>
-            <a:pPr algn="ctr"/>
-            <a:r>
-              <a:rPr lang="ko-KR" altLang="en-US" sz="1500" dirty="0" smtClean="0"/>
-              <a:t>주문내역</a:t>
-            </a:r>
-            <a:endParaRPr lang="ko-KR" altLang="en-US" sz="1500" dirty="0"/>
-          </a:p>
-        </p:txBody>
-      </p:sp>
-      <p:sp>
-        <p:nvSpPr>
-          <p:cNvPr id="11" name="직사각형 10"/>
-          <p:cNvSpPr/>
-          <p:nvPr/>
-        </p:nvSpPr>
-        <p:spPr>
-          <a:xfrm>
-            <a:off x="7086597" y="984365"/>
-            <a:ext cx="997528" cy="274320"/>
-          </a:xfrm>
-          <a:prstGeom prst="rect">
-            <a:avLst/>
-          </a:prstGeom>
-        </p:spPr>
-        <p:style>
-          <a:lnRef idx="2">
-            <a:schemeClr val="accent1">
-              <a:shade val="50000"/>
-            </a:schemeClr>
-          </a:lnRef>
-          <a:fillRef idx="1">
-            <a:schemeClr val="accent1"/>
-          </a:fillRef>
-          <a:effectRef idx="0">
-            <a:schemeClr val="accent1"/>
-          </a:effectRef>
-          <a:fontRef idx="minor">
-            <a:schemeClr val="lt1"/>
-          </a:fontRef>
-        </p:style>
-        <p:txBody>
-          <a:bodyPr rtlCol="0" anchor="ctr"/>
-          <a:lstStyle/>
-          <a:p>
-            <a:pPr algn="ctr"/>
-            <a:r>
-              <a:rPr lang="ko-KR" altLang="en-US" sz="1500" dirty="0" smtClean="0"/>
-              <a:t>장바구니</a:t>
-            </a:r>
-            <a:endParaRPr lang="ko-KR" altLang="en-US" sz="1500" dirty="0"/>
-          </a:p>
-        </p:txBody>
-      </p:sp>
-      <p:sp>
-        <p:nvSpPr>
-          <p:cNvPr id="12" name="직사각형 11"/>
-          <p:cNvSpPr/>
-          <p:nvPr/>
-        </p:nvSpPr>
-        <p:spPr>
-          <a:xfrm>
-            <a:off x="5494712" y="987136"/>
-            <a:ext cx="997528" cy="274320"/>
-          </a:xfrm>
-          <a:prstGeom prst="rect">
-            <a:avLst/>
-          </a:prstGeom>
-        </p:spPr>
-        <p:style>
-          <a:lnRef idx="2">
-            <a:schemeClr val="accent1">
-              <a:shade val="50000"/>
-            </a:schemeClr>
-          </a:lnRef>
-          <a:fillRef idx="1">
-            <a:schemeClr val="accent1"/>
-          </a:fillRef>
-          <a:effectRef idx="0">
-            <a:schemeClr val="accent1"/>
-          </a:effectRef>
-          <a:fontRef idx="minor">
-            <a:schemeClr val="lt1"/>
-          </a:fontRef>
-        </p:style>
-        <p:txBody>
-          <a:bodyPr rtlCol="0" anchor="ctr"/>
-          <a:lstStyle/>
-          <a:p>
-            <a:pPr algn="ctr"/>
-            <a:r>
               <a:rPr lang="ko-KR" altLang="en-US" sz="1500" dirty="0" smtClean="0"/>
               <a:t>로그인</a:t>
             </a:r>
             <a:endParaRPr lang="ko-KR" altLang="en-US" sz="1500" dirty="0"/>
-          </a:p>
-        </p:txBody>
-      </p:sp>
-      <p:sp>
-        <p:nvSpPr>
-          <p:cNvPr id="13" name="직사각형 12"/>
-          <p:cNvSpPr/>
-          <p:nvPr/>
-        </p:nvSpPr>
-        <p:spPr>
-          <a:xfrm>
-            <a:off x="10579331" y="1354975"/>
-            <a:ext cx="1016924" cy="482138"/>
-          </a:xfrm>
-          <a:prstGeom prst="rect">
-            <a:avLst/>
-          </a:prstGeom>
-          <a:solidFill>
-            <a:schemeClr val="accent1">
-              <a:lumMod val="40000"/>
-              <a:lumOff val="60000"/>
-            </a:schemeClr>
-          </a:solidFill>
-        </p:spPr>
-        <p:style>
-          <a:lnRef idx="2">
-            <a:schemeClr val="accent1">
-              <a:shade val="50000"/>
-            </a:schemeClr>
-          </a:lnRef>
-          <a:fillRef idx="1">
-            <a:schemeClr val="accent1"/>
-          </a:fillRef>
-          <a:effectRef idx="0">
-            <a:schemeClr val="accent1"/>
-          </a:effectRef>
-          <a:fontRef idx="minor">
-            <a:schemeClr val="lt1"/>
-          </a:fontRef>
-        </p:style>
-        <p:txBody>
-          <a:bodyPr rtlCol="0" anchor="ctr"/>
-          <a:lstStyle/>
-          <a:p>
-            <a:pPr algn="ctr"/>
-            <a:r>
-              <a:rPr lang="ko-KR" altLang="en-US" dirty="0" smtClean="0"/>
-              <a:t>이벤트</a:t>
-            </a:r>
-            <a:endParaRPr lang="ko-KR" altLang="en-US" dirty="0"/>
           </a:p>
         </p:txBody>
       </p:sp>
@@ -3560,7 +3217,7 @@
         </p:blipFill>
         <p:spPr>
           <a:xfrm>
-            <a:off x="0" y="6105525"/>
+            <a:off x="-2402599" y="6105525"/>
             <a:ext cx="12192000" cy="752475"/>
           </a:xfrm>
           <a:prstGeom prst="rect">
@@ -3590,7 +3247,7 @@
         </p:blipFill>
         <p:spPr>
           <a:xfrm>
-            <a:off x="1385887" y="2516075"/>
+            <a:off x="1283363" y="1924539"/>
             <a:ext cx="9420225" cy="1655746"/>
           </a:xfrm>
           <a:prstGeom prst="rect">
@@ -3620,7 +3277,7 @@
         </p:blipFill>
         <p:spPr>
           <a:xfrm>
-            <a:off x="1371599" y="4230006"/>
+            <a:off x="1371599" y="4033469"/>
             <a:ext cx="9420225" cy="615146"/>
           </a:xfrm>
           <a:prstGeom prst="rect">
@@ -3650,7 +3307,7 @@
         </p:blipFill>
         <p:spPr>
           <a:xfrm>
-            <a:off x="1371600" y="4845152"/>
+            <a:off x="1283363" y="5012872"/>
             <a:ext cx="9420225" cy="979518"/>
           </a:xfrm>
           <a:prstGeom prst="rect">
@@ -3660,14 +3317,14 @@
       </p:pic>
       <p:sp>
         <p:nvSpPr>
-          <p:cNvPr id="20" name="직사각형 19"/>
+          <p:cNvPr id="21" name="직사각형 20"/>
           <p:cNvSpPr/>
           <p:nvPr/>
         </p:nvSpPr>
         <p:spPr>
           <a:xfrm>
-            <a:off x="1605051" y="2249769"/>
-            <a:ext cx="516330" cy="228900"/>
+            <a:off x="1180839" y="3580285"/>
+            <a:ext cx="721378" cy="280855"/>
           </a:xfrm>
           <a:prstGeom prst="rect">
             <a:avLst/>
@@ -3696,7 +3353,7 @@
             <a:pPr algn="ctr"/>
             <a:r>
               <a:rPr lang="ko-KR" altLang="en-US" sz="1000" dirty="0" smtClean="0"/>
-              <a:t>상의</a:t>
+              <a:t>신상품</a:t>
             </a:r>
             <a:endParaRPr lang="ko-KR" altLang="en-US" sz="1000" dirty="0"/>
           </a:p>
@@ -3704,13 +3361,13 @@
       </p:sp>
       <p:sp>
         <p:nvSpPr>
-          <p:cNvPr id="21" name="직사각형 20"/>
+          <p:cNvPr id="22" name="직사각형 21"/>
           <p:cNvSpPr/>
           <p:nvPr/>
         </p:nvSpPr>
         <p:spPr>
           <a:xfrm>
-            <a:off x="2426624" y="2243730"/>
+            <a:off x="3435236" y="2235220"/>
             <a:ext cx="516330" cy="228900"/>
           </a:xfrm>
           <a:prstGeom prst="rect">
@@ -3740,7 +3397,7 @@
             <a:pPr algn="ctr"/>
             <a:r>
               <a:rPr lang="ko-KR" altLang="en-US" sz="1000" dirty="0" smtClean="0"/>
-              <a:t>하의</a:t>
+              <a:t>랭킹</a:t>
             </a:r>
             <a:endParaRPr lang="ko-KR" altLang="en-US" sz="1000" dirty="0"/>
           </a:p>
@@ -3748,14 +3405,14 @@
       </p:sp>
       <p:sp>
         <p:nvSpPr>
-          <p:cNvPr id="22" name="직사각형 21"/>
+          <p:cNvPr id="24" name="직사각형 23"/>
           <p:cNvSpPr/>
           <p:nvPr/>
         </p:nvSpPr>
         <p:spPr>
           <a:xfrm>
-            <a:off x="3435236" y="2235220"/>
-            <a:ext cx="516330" cy="228900"/>
+            <a:off x="1180839" y="869124"/>
+            <a:ext cx="997528" cy="274320"/>
           </a:xfrm>
           <a:prstGeom prst="rect">
             <a:avLst/>
@@ -3783,23 +3440,23 @@
           <a:p>
             <a:pPr algn="ctr"/>
             <a:r>
-              <a:rPr lang="ko-KR" altLang="en-US" sz="1000" dirty="0" smtClean="0"/>
-              <a:t>신발</a:t>
-            </a:r>
-            <a:endParaRPr lang="ko-KR" altLang="en-US" sz="1000" dirty="0"/>
-          </a:p>
-        </p:txBody>
-      </p:sp>
-      <p:sp>
-        <p:nvSpPr>
-          <p:cNvPr id="23" name="직사각형 22"/>
+              <a:rPr lang="ko-KR" altLang="en-US" sz="1500" dirty="0"/>
+              <a:t>홈</a:t>
+            </a:r>
+            <a:endParaRPr lang="ko-KR" altLang="en-US" sz="1500" dirty="0"/>
+          </a:p>
+        </p:txBody>
+      </p:sp>
+      <p:sp>
+        <p:nvSpPr>
+          <p:cNvPr id="25" name="직사각형 24"/>
           <p:cNvSpPr/>
           <p:nvPr/>
         </p:nvSpPr>
         <p:spPr>
           <a:xfrm>
-            <a:off x="4298373" y="2235220"/>
-            <a:ext cx="572886" cy="228900"/>
+            <a:off x="9680988" y="850008"/>
+            <a:ext cx="997528" cy="274320"/>
           </a:xfrm>
           <a:prstGeom prst="rect">
             <a:avLst/>
@@ -3827,10 +3484,186 @@
           <a:p>
             <a:pPr algn="ctr"/>
             <a:r>
-              <a:rPr lang="ko-KR" altLang="en-US" sz="1000" smtClean="0"/>
-              <a:t>아우터</a:t>
+              <a:rPr lang="ko-KR" altLang="en-US" sz="1500" dirty="0" smtClean="0"/>
+              <a:t>이벤트</a:t>
+            </a:r>
+            <a:endParaRPr lang="ko-KR" altLang="en-US" sz="1500" dirty="0"/>
+          </a:p>
+        </p:txBody>
+      </p:sp>
+      <p:sp>
+        <p:nvSpPr>
+          <p:cNvPr id="26" name="직사각형 25"/>
+          <p:cNvSpPr/>
+          <p:nvPr/>
+        </p:nvSpPr>
+        <p:spPr>
+          <a:xfrm>
+            <a:off x="8434080" y="850008"/>
+            <a:ext cx="997528" cy="274320"/>
+          </a:xfrm>
+          <a:prstGeom prst="rect">
+            <a:avLst/>
+          </a:prstGeom>
+        </p:spPr>
+        <p:style>
+          <a:lnRef idx="2">
+            <a:schemeClr val="accent1">
+              <a:shade val="50000"/>
+            </a:schemeClr>
+          </a:lnRef>
+          <a:fillRef idx="1">
+            <a:schemeClr val="accent1"/>
+          </a:fillRef>
+          <a:effectRef idx="0">
+            <a:schemeClr val="accent1"/>
+          </a:effectRef>
+          <a:fontRef idx="minor">
+            <a:schemeClr val="lt1"/>
+          </a:fontRef>
+        </p:style>
+        <p:txBody>
+          <a:bodyPr rtlCol="0" anchor="ctr"/>
+          <a:lstStyle/>
+          <a:p>
+            <a:pPr algn="ctr"/>
+            <a:r>
+              <a:rPr lang="en-US" altLang="ko-KR" sz="1500" dirty="0" smtClean="0"/>
+              <a:t>F.A.Q</a:t>
+            </a:r>
+            <a:endParaRPr lang="ko-KR" altLang="en-US" sz="1500" dirty="0"/>
+          </a:p>
+        </p:txBody>
+      </p:sp>
+      <p:sp>
+        <p:nvSpPr>
+          <p:cNvPr id="27" name="직사각형 26"/>
+          <p:cNvSpPr/>
+          <p:nvPr/>
+        </p:nvSpPr>
+        <p:spPr>
+          <a:xfrm>
+            <a:off x="1180839" y="1563311"/>
+            <a:ext cx="721378" cy="280855"/>
+          </a:xfrm>
+          <a:prstGeom prst="rect">
+            <a:avLst/>
+          </a:prstGeom>
+        </p:spPr>
+        <p:style>
+          <a:lnRef idx="2">
+            <a:schemeClr val="accent1">
+              <a:shade val="50000"/>
+            </a:schemeClr>
+          </a:lnRef>
+          <a:fillRef idx="1">
+            <a:schemeClr val="accent1"/>
+          </a:fillRef>
+          <a:effectRef idx="0">
+            <a:schemeClr val="accent1"/>
+          </a:effectRef>
+          <a:fontRef idx="minor">
+            <a:schemeClr val="lt1"/>
+          </a:fontRef>
+        </p:style>
+        <p:txBody>
+          <a:bodyPr rtlCol="0" anchor="ctr"/>
+          <a:lstStyle/>
+          <a:p>
+            <a:pPr algn="ctr"/>
+            <a:r>
+              <a:rPr lang="en-US" altLang="ko-KR" sz="1000" dirty="0" smtClean="0"/>
+              <a:t>BEST</a:t>
             </a:r>
             <a:endParaRPr lang="ko-KR" altLang="en-US" sz="1000" dirty="0"/>
+          </a:p>
+        </p:txBody>
+      </p:sp>
+      <p:sp>
+        <p:nvSpPr>
+          <p:cNvPr id="28" name="직사각형 27"/>
+          <p:cNvSpPr/>
+          <p:nvPr/>
+        </p:nvSpPr>
+        <p:spPr>
+          <a:xfrm>
+            <a:off x="1192263" y="4690316"/>
+            <a:ext cx="721378" cy="280855"/>
+          </a:xfrm>
+          <a:prstGeom prst="rect">
+            <a:avLst/>
+          </a:prstGeom>
+        </p:spPr>
+        <p:style>
+          <a:lnRef idx="2">
+            <a:schemeClr val="accent1">
+              <a:shade val="50000"/>
+            </a:schemeClr>
+          </a:lnRef>
+          <a:fillRef idx="1">
+            <a:schemeClr val="accent1"/>
+          </a:fillRef>
+          <a:effectRef idx="0">
+            <a:schemeClr val="accent1"/>
+          </a:effectRef>
+          <a:fontRef idx="minor">
+            <a:schemeClr val="lt1"/>
+          </a:fontRef>
+        </p:style>
+        <p:txBody>
+          <a:bodyPr rtlCol="0" anchor="ctr"/>
+          <a:lstStyle/>
+          <a:p>
+            <a:pPr algn="ctr"/>
+            <a:r>
+              <a:rPr lang="ko-KR" altLang="en-US" sz="1000" dirty="0" smtClean="0"/>
+              <a:t>랭킹</a:t>
+            </a:r>
+            <a:endParaRPr lang="ko-KR" altLang="en-US" sz="1000" dirty="0"/>
+          </a:p>
+        </p:txBody>
+      </p:sp>
+      <p:sp>
+        <p:nvSpPr>
+          <p:cNvPr id="29" name="직사각형 28"/>
+          <p:cNvSpPr/>
+          <p:nvPr/>
+        </p:nvSpPr>
+        <p:spPr>
+          <a:xfrm>
+            <a:off x="4855066" y="384944"/>
+            <a:ext cx="997528" cy="274320"/>
+          </a:xfrm>
+          <a:prstGeom prst="rect">
+            <a:avLst/>
+          </a:prstGeom>
+        </p:spPr>
+        <p:style>
+          <a:lnRef idx="2">
+            <a:schemeClr val="accent1">
+              <a:shade val="50000"/>
+            </a:schemeClr>
+          </a:lnRef>
+          <a:fillRef idx="1">
+            <a:schemeClr val="accent1"/>
+          </a:fillRef>
+          <a:effectRef idx="0">
+            <a:schemeClr val="accent1"/>
+          </a:effectRef>
+          <a:fontRef idx="minor">
+            <a:schemeClr val="lt1"/>
+          </a:fontRef>
+        </p:style>
+        <p:txBody>
+          <a:bodyPr rtlCol="0" anchor="ctr"/>
+          <a:lstStyle/>
+          <a:p>
+            <a:pPr algn="ctr"/>
+            <a:r>
+              <a:rPr lang="ko-KR" altLang="en-US" sz="1500" dirty="0" err="1" smtClean="0"/>
+              <a:t>검색창</a:t>
+            </a:r>
+            <a:endParaRPr lang="ko-KR" altLang="en-US" sz="1500" dirty="0"/>
           </a:p>
         </p:txBody>
       </p:sp>
